--- a/6. viewing and clipping.pptx
+++ b/6. viewing and clipping.pptx
@@ -4136,36 +4136,1166 @@
           <a:chExt cx="0" cy="0"/>
         </a:xfrm>
       </p:grpSpPr>
-      <p:pic>
-        <p:nvPicPr>
-          <p:cNvPr id="5" name="Picture 4">
+      <p:graphicFrame>
+        <p:nvGraphicFramePr>
+          <p:cNvPr id="2" name="Table 1">
             <a:extLst>
               <a:ext uri="{FF2B5EF4-FFF2-40B4-BE49-F238E27FC236}">
-                <a16:creationId xmlns:a16="http://schemas.microsoft.com/office/drawing/2014/main" id="{F974C8BE-1BF4-485E-804A-613D03B4F87B}"/>
+                <a16:creationId xmlns:a16="http://schemas.microsoft.com/office/drawing/2014/main" id="{0AC85EC0-C5BE-7AC5-D29A-E2F57A460B6D}"/>
               </a:ext>
             </a:extLst>
           </p:cNvPr>
-          <p:cNvPicPr>
-            <a:picLocks noChangeAspect="1"/>
-          </p:cNvPicPr>
+          <p:cNvGraphicFramePr>
+            <a:graphicFrameLocks noGrp="1"/>
+          </p:cNvGraphicFramePr>
+          <p:nvPr>
+            <p:extLst>
+              <p:ext uri="{D42A27DB-BD31-4B8C-83A1-F6EECF244321}">
+                <p14:modId xmlns:p14="http://schemas.microsoft.com/office/powerpoint/2010/main" val="1929766357"/>
+              </p:ext>
+            </p:extLst>
+          </p:nvPr>
+        </p:nvGraphicFramePr>
+        <p:xfrm>
+          <a:off x="293857" y="239481"/>
+          <a:ext cx="11604286" cy="6379038"/>
+        </p:xfrm>
+        <a:graphic>
+          <a:graphicData uri="http://schemas.openxmlformats.org/drawingml/2006/table">
+            <a:tbl>
+              <a:tblPr firstRow="1" bandRow="1">
+                <a:tableStyleId>{F5AB1C69-6EDB-4FF4-983F-18BD219EF322}</a:tableStyleId>
+              </a:tblPr>
+              <a:tblGrid>
+                <a:gridCol w="5802143">
+                  <a:extLst>
+                    <a:ext uri="{9D8B030D-6E8A-4147-A177-3AD203B41FA5}">
+                      <a16:colId xmlns:a16="http://schemas.microsoft.com/office/drawing/2014/main" val="2504485283"/>
+                    </a:ext>
+                  </a:extLst>
+                </a:gridCol>
+                <a:gridCol w="5802143">
+                  <a:extLst>
+                    <a:ext uri="{9D8B030D-6E8A-4147-A177-3AD203B41FA5}">
+                      <a16:colId xmlns:a16="http://schemas.microsoft.com/office/drawing/2014/main" val="170684340"/>
+                    </a:ext>
+                  </a:extLst>
+                </a:gridCol>
+              </a:tblGrid>
+              <a:tr h="446319">
+                <a:tc gridSpan="2">
+                  <a:txBody>
+                    <a:bodyPr/>
+                    <a:lstStyle/>
+                    <a:p>
+                      <a:pPr algn="ctr"/>
+                      <a:r>
+                        <a:rPr lang="en-US" sz="3200" dirty="0">
+                          <a:solidFill>
+                            <a:schemeClr val="tx1">
+                              <a:lumMod val="95000"/>
+                              <a:lumOff val="5000"/>
+                            </a:schemeClr>
+                          </a:solidFill>
+                          <a:latin typeface="Times New Roman" panose="02020603050405020304" pitchFamily="18" charset="0"/>
+                          <a:cs typeface="Times New Roman" panose="02020603050405020304" pitchFamily="18" charset="0"/>
+                        </a:rPr>
+                        <a:t>Difference between window port and viewport</a:t>
+                      </a:r>
+                    </a:p>
+                  </a:txBody>
+                  <a:tcPr>
+                    <a:lnL w="12700" cap="flat" cmpd="sng" algn="ctr">
+                      <a:solidFill>
+                        <a:schemeClr val="tx1"/>
+                      </a:solidFill>
+                      <a:prstDash val="solid"/>
+                      <a:round/>
+                      <a:headEnd type="none" w="med" len="med"/>
+                      <a:tailEnd type="none" w="med" len="med"/>
+                    </a:lnL>
+                    <a:lnR w="12700" cap="flat" cmpd="sng" algn="ctr">
+                      <a:solidFill>
+                        <a:schemeClr val="tx1"/>
+                      </a:solidFill>
+                      <a:prstDash val="solid"/>
+                      <a:round/>
+                      <a:headEnd type="none" w="med" len="med"/>
+                      <a:tailEnd type="none" w="med" len="med"/>
+                    </a:lnR>
+                    <a:lnT w="12700" cap="flat" cmpd="sng" algn="ctr">
+                      <a:solidFill>
+                        <a:schemeClr val="tx1"/>
+                      </a:solidFill>
+                      <a:prstDash val="solid"/>
+                      <a:round/>
+                      <a:headEnd type="none" w="med" len="med"/>
+                      <a:tailEnd type="none" w="med" len="med"/>
+                    </a:lnT>
+                    <a:lnB w="12700" cap="flat" cmpd="sng" algn="ctr">
+                      <a:solidFill>
+                        <a:schemeClr val="tx1"/>
+                      </a:solidFill>
+                      <a:prstDash val="solid"/>
+                      <a:round/>
+                      <a:headEnd type="none" w="med" len="med"/>
+                      <a:tailEnd type="none" w="med" len="med"/>
+                    </a:lnB>
+                    <a:lnTlToBr w="12700" cmpd="sng">
+                      <a:noFill/>
+                      <a:prstDash val="solid"/>
+                    </a:lnTlToBr>
+                    <a:lnBlToTr w="12700" cmpd="sng">
+                      <a:noFill/>
+                      <a:prstDash val="solid"/>
+                    </a:lnBlToTr>
+                  </a:tcPr>
+                </a:tc>
+                <a:tc hMerge="1">
+                  <a:txBody>
+                    <a:bodyPr/>
+                    <a:lstStyle/>
+                    <a:p>
+                      <a:endParaRPr lang="en-US" dirty="0"/>
+                    </a:p>
+                  </a:txBody>
+                  <a:tcPr>
+                    <a:lnL w="12700" cap="flat" cmpd="sng" algn="ctr">
+                      <a:solidFill>
+                        <a:schemeClr val="tx1"/>
+                      </a:solidFill>
+                      <a:prstDash val="solid"/>
+                      <a:round/>
+                      <a:headEnd type="none" w="med" len="med"/>
+                      <a:tailEnd type="none" w="med" len="med"/>
+                    </a:lnL>
+                    <a:lnR w="12700" cap="flat" cmpd="sng" algn="ctr">
+                      <a:solidFill>
+                        <a:schemeClr val="tx1"/>
+                      </a:solidFill>
+                      <a:prstDash val="solid"/>
+                      <a:round/>
+                      <a:headEnd type="none" w="med" len="med"/>
+                      <a:tailEnd type="none" w="med" len="med"/>
+                    </a:lnR>
+                    <a:lnT w="12700" cap="flat" cmpd="sng" algn="ctr">
+                      <a:solidFill>
+                        <a:schemeClr val="tx1"/>
+                      </a:solidFill>
+                      <a:prstDash val="solid"/>
+                      <a:round/>
+                      <a:headEnd type="none" w="med" len="med"/>
+                      <a:tailEnd type="none" w="med" len="med"/>
+                    </a:lnT>
+                    <a:lnB w="12700" cap="flat" cmpd="sng" algn="ctr">
+                      <a:solidFill>
+                        <a:schemeClr val="tx1"/>
+                      </a:solidFill>
+                      <a:prstDash val="solid"/>
+                      <a:round/>
+                      <a:headEnd type="none" w="med" len="med"/>
+                      <a:tailEnd type="none" w="med" len="med"/>
+                    </a:lnB>
+                    <a:lnTlToBr w="12700" cmpd="sng">
+                      <a:noFill/>
+                      <a:prstDash val="solid"/>
+                    </a:lnTlToBr>
+                    <a:lnBlToTr w="12700" cmpd="sng">
+                      <a:noFill/>
+                      <a:prstDash val="solid"/>
+                    </a:lnBlToTr>
+                  </a:tcPr>
+                </a:tc>
+                <a:extLst>
+                  <a:ext uri="{0D108BD9-81ED-4DB2-BD59-A6C34878D82A}">
+                    <a16:rowId xmlns:a16="http://schemas.microsoft.com/office/drawing/2014/main" val="174912176"/>
+                  </a:ext>
+                </a:extLst>
+              </a:tr>
+              <a:tr h="446319">
+                <a:tc>
+                  <a:txBody>
+                    <a:bodyPr/>
+                    <a:lstStyle/>
+                    <a:p>
+                      <a:r>
+                        <a:rPr lang="en-US" sz="3200" b="1" dirty="0">
+                          <a:latin typeface="Times New Roman" panose="02020603050405020304" pitchFamily="18" charset="0"/>
+                          <a:cs typeface="Times New Roman" panose="02020603050405020304" pitchFamily="18" charset="0"/>
+                        </a:rPr>
+                        <a:t>Window port</a:t>
+                      </a:r>
+                    </a:p>
+                  </a:txBody>
+                  <a:tcPr>
+                    <a:lnL w="12700" cap="flat" cmpd="sng" algn="ctr">
+                      <a:solidFill>
+                        <a:schemeClr val="tx1"/>
+                      </a:solidFill>
+                      <a:prstDash val="solid"/>
+                      <a:round/>
+                      <a:headEnd type="none" w="med" len="med"/>
+                      <a:tailEnd type="none" w="med" len="med"/>
+                    </a:lnL>
+                    <a:lnR w="12700" cap="flat" cmpd="sng" algn="ctr">
+                      <a:solidFill>
+                        <a:schemeClr val="tx1"/>
+                      </a:solidFill>
+                      <a:prstDash val="solid"/>
+                      <a:round/>
+                      <a:headEnd type="none" w="med" len="med"/>
+                      <a:tailEnd type="none" w="med" len="med"/>
+                    </a:lnR>
+                    <a:lnT w="12700" cap="flat" cmpd="sng" algn="ctr">
+                      <a:solidFill>
+                        <a:schemeClr val="tx1"/>
+                      </a:solidFill>
+                      <a:prstDash val="solid"/>
+                      <a:round/>
+                      <a:headEnd type="none" w="med" len="med"/>
+                      <a:tailEnd type="none" w="med" len="med"/>
+                    </a:lnT>
+                    <a:lnB w="12700" cap="flat" cmpd="sng" algn="ctr">
+                      <a:solidFill>
+                        <a:schemeClr val="tx1"/>
+                      </a:solidFill>
+                      <a:prstDash val="solid"/>
+                      <a:round/>
+                      <a:headEnd type="none" w="med" len="med"/>
+                      <a:tailEnd type="none" w="med" len="med"/>
+                    </a:lnB>
+                    <a:lnTlToBr w="12700" cmpd="sng">
+                      <a:noFill/>
+                      <a:prstDash val="solid"/>
+                    </a:lnTlToBr>
+                    <a:lnBlToTr w="12700" cmpd="sng">
+                      <a:noFill/>
+                      <a:prstDash val="solid"/>
+                    </a:lnBlToTr>
+                  </a:tcPr>
+                </a:tc>
+                <a:tc>
+                  <a:txBody>
+                    <a:bodyPr/>
+                    <a:lstStyle/>
+                    <a:p>
+                      <a:r>
+                        <a:rPr lang="en-US" sz="3200" b="1" dirty="0">
+                          <a:latin typeface="Times New Roman" panose="02020603050405020304" pitchFamily="18" charset="0"/>
+                          <a:cs typeface="Times New Roman" panose="02020603050405020304" pitchFamily="18" charset="0"/>
+                        </a:rPr>
+                        <a:t>Viewport</a:t>
+                      </a:r>
+                    </a:p>
+                  </a:txBody>
+                  <a:tcPr>
+                    <a:lnL w="12700" cap="flat" cmpd="sng" algn="ctr">
+                      <a:solidFill>
+                        <a:schemeClr val="tx1"/>
+                      </a:solidFill>
+                      <a:prstDash val="solid"/>
+                      <a:round/>
+                      <a:headEnd type="none" w="med" len="med"/>
+                      <a:tailEnd type="none" w="med" len="med"/>
+                    </a:lnL>
+                    <a:lnR w="12700" cap="flat" cmpd="sng" algn="ctr">
+                      <a:solidFill>
+                        <a:schemeClr val="tx1"/>
+                      </a:solidFill>
+                      <a:prstDash val="solid"/>
+                      <a:round/>
+                      <a:headEnd type="none" w="med" len="med"/>
+                      <a:tailEnd type="none" w="med" len="med"/>
+                    </a:lnR>
+                    <a:lnT w="12700" cap="flat" cmpd="sng" algn="ctr">
+                      <a:solidFill>
+                        <a:schemeClr val="tx1"/>
+                      </a:solidFill>
+                      <a:prstDash val="solid"/>
+                      <a:round/>
+                      <a:headEnd type="none" w="med" len="med"/>
+                      <a:tailEnd type="none" w="med" len="med"/>
+                    </a:lnT>
+                    <a:lnB w="12700" cap="flat" cmpd="sng" algn="ctr">
+                      <a:solidFill>
+                        <a:schemeClr val="tx1"/>
+                      </a:solidFill>
+                      <a:prstDash val="solid"/>
+                      <a:round/>
+                      <a:headEnd type="none" w="med" len="med"/>
+                      <a:tailEnd type="none" w="med" len="med"/>
+                    </a:lnB>
+                    <a:lnTlToBr w="12700" cmpd="sng">
+                      <a:noFill/>
+                      <a:prstDash val="solid"/>
+                    </a:lnTlToBr>
+                    <a:lnBlToTr w="12700" cmpd="sng">
+                      <a:noFill/>
+                      <a:prstDash val="solid"/>
+                    </a:lnBlToTr>
+                  </a:tcPr>
+                </a:tc>
+                <a:extLst>
+                  <a:ext uri="{0D108BD9-81ED-4DB2-BD59-A6C34878D82A}">
+                    <a16:rowId xmlns:a16="http://schemas.microsoft.com/office/drawing/2014/main" val="55927812"/>
+                  </a:ext>
+                </a:extLst>
+              </a:tr>
+              <a:tr h="446319">
+                <a:tc>
+                  <a:txBody>
+                    <a:bodyPr/>
+                    <a:lstStyle/>
+                    <a:p>
+                      <a:r>
+                        <a:rPr lang="en-US" sz="2000" dirty="0">
+                          <a:latin typeface="Times New Roman" panose="02020603050405020304" pitchFamily="18" charset="0"/>
+                          <a:cs typeface="Times New Roman" panose="02020603050405020304" pitchFamily="18" charset="0"/>
+                        </a:rPr>
+                        <a:t>Window port is the coordinate area specially selected for the display.</a:t>
+                      </a:r>
+                    </a:p>
+                  </a:txBody>
+                  <a:tcPr>
+                    <a:lnL w="12700" cap="flat" cmpd="sng" algn="ctr">
+                      <a:solidFill>
+                        <a:schemeClr val="tx1"/>
+                      </a:solidFill>
+                      <a:prstDash val="solid"/>
+                      <a:round/>
+                      <a:headEnd type="none" w="med" len="med"/>
+                      <a:tailEnd type="none" w="med" len="med"/>
+                    </a:lnL>
+                    <a:lnR w="12700" cap="flat" cmpd="sng" algn="ctr">
+                      <a:solidFill>
+                        <a:schemeClr val="tx1"/>
+                      </a:solidFill>
+                      <a:prstDash val="solid"/>
+                      <a:round/>
+                      <a:headEnd type="none" w="med" len="med"/>
+                      <a:tailEnd type="none" w="med" len="med"/>
+                    </a:lnR>
+                    <a:lnT w="12700" cap="flat" cmpd="sng" algn="ctr">
+                      <a:solidFill>
+                        <a:schemeClr val="tx1"/>
+                      </a:solidFill>
+                      <a:prstDash val="solid"/>
+                      <a:round/>
+                      <a:headEnd type="none" w="med" len="med"/>
+                      <a:tailEnd type="none" w="med" len="med"/>
+                    </a:lnT>
+                    <a:lnB w="12700" cap="flat" cmpd="sng" algn="ctr">
+                      <a:solidFill>
+                        <a:schemeClr val="tx1"/>
+                      </a:solidFill>
+                      <a:prstDash val="solid"/>
+                      <a:round/>
+                      <a:headEnd type="none" w="med" len="med"/>
+                      <a:tailEnd type="none" w="med" len="med"/>
+                    </a:lnB>
+                    <a:lnTlToBr w="12700" cmpd="sng">
+                      <a:noFill/>
+                      <a:prstDash val="solid"/>
+                    </a:lnTlToBr>
+                    <a:lnBlToTr w="12700" cmpd="sng">
+                      <a:noFill/>
+                      <a:prstDash val="solid"/>
+                    </a:lnBlToTr>
+                  </a:tcPr>
+                </a:tc>
+                <a:tc>
+                  <a:txBody>
+                    <a:bodyPr/>
+                    <a:lstStyle/>
+                    <a:p>
+                      <a:r>
+                        <a:rPr lang="en-US" sz="2000" b="0" i="0" kern="1200" dirty="0">
+                          <a:solidFill>
+                            <a:schemeClr val="dk1"/>
+                          </a:solidFill>
+                          <a:effectLst/>
+                          <a:latin typeface="Times New Roman" panose="02020603050405020304" pitchFamily="18" charset="0"/>
+                          <a:ea typeface="+mn-ea"/>
+                          <a:cs typeface="Times New Roman" panose="02020603050405020304" pitchFamily="18" charset="0"/>
+                        </a:rPr>
+                        <a:t>An area on display device to which a window is mapped.</a:t>
+                      </a:r>
+                      <a:endParaRPr lang="en-US" sz="2000" dirty="0">
+                        <a:latin typeface="Times New Roman" panose="02020603050405020304" pitchFamily="18" charset="0"/>
+                        <a:cs typeface="Times New Roman" panose="02020603050405020304" pitchFamily="18" charset="0"/>
+                      </a:endParaRPr>
+                    </a:p>
+                  </a:txBody>
+                  <a:tcPr>
+                    <a:lnL w="12700" cap="flat" cmpd="sng" algn="ctr">
+                      <a:solidFill>
+                        <a:schemeClr val="tx1"/>
+                      </a:solidFill>
+                      <a:prstDash val="solid"/>
+                      <a:round/>
+                      <a:headEnd type="none" w="med" len="med"/>
+                      <a:tailEnd type="none" w="med" len="med"/>
+                    </a:lnL>
+                    <a:lnR w="12700" cap="flat" cmpd="sng" algn="ctr">
+                      <a:solidFill>
+                        <a:schemeClr val="tx1"/>
+                      </a:solidFill>
+                      <a:prstDash val="solid"/>
+                      <a:round/>
+                      <a:headEnd type="none" w="med" len="med"/>
+                      <a:tailEnd type="none" w="med" len="med"/>
+                    </a:lnR>
+                    <a:lnT w="12700" cap="flat" cmpd="sng" algn="ctr">
+                      <a:solidFill>
+                        <a:schemeClr val="tx1"/>
+                      </a:solidFill>
+                      <a:prstDash val="solid"/>
+                      <a:round/>
+                      <a:headEnd type="none" w="med" len="med"/>
+                      <a:tailEnd type="none" w="med" len="med"/>
+                    </a:lnT>
+                    <a:lnB w="12700" cap="flat" cmpd="sng" algn="ctr">
+                      <a:solidFill>
+                        <a:schemeClr val="tx1"/>
+                      </a:solidFill>
+                      <a:prstDash val="solid"/>
+                      <a:round/>
+                      <a:headEnd type="none" w="med" len="med"/>
+                      <a:tailEnd type="none" w="med" len="med"/>
+                    </a:lnB>
+                    <a:lnTlToBr w="12700" cmpd="sng">
+                      <a:noFill/>
+                      <a:prstDash val="solid"/>
+                    </a:lnTlToBr>
+                    <a:lnBlToTr w="12700" cmpd="sng">
+                      <a:noFill/>
+                      <a:prstDash val="solid"/>
+                    </a:lnBlToTr>
+                  </a:tcPr>
+                </a:tc>
+                <a:extLst>
+                  <a:ext uri="{0D108BD9-81ED-4DB2-BD59-A6C34878D82A}">
+                    <a16:rowId xmlns:a16="http://schemas.microsoft.com/office/drawing/2014/main" val="383403827"/>
+                  </a:ext>
+                </a:extLst>
+              </a:tr>
+              <a:tr h="446319">
+                <a:tc>
+                  <a:txBody>
+                    <a:bodyPr/>
+                    <a:lstStyle/>
+                    <a:p>
+                      <a:r>
+                        <a:rPr lang="en-US" sz="2000" dirty="0">
+                          <a:latin typeface="Times New Roman" panose="02020603050405020304" pitchFamily="18" charset="0"/>
+                          <a:cs typeface="Times New Roman" panose="02020603050405020304" pitchFamily="18" charset="0"/>
+                        </a:rPr>
+                        <a:t>Region created according to the world coordinates</a:t>
+                      </a:r>
+                    </a:p>
+                  </a:txBody>
+                  <a:tcPr>
+                    <a:lnL w="12700" cap="flat" cmpd="sng" algn="ctr">
+                      <a:solidFill>
+                        <a:schemeClr val="tx1"/>
+                      </a:solidFill>
+                      <a:prstDash val="solid"/>
+                      <a:round/>
+                      <a:headEnd type="none" w="med" len="med"/>
+                      <a:tailEnd type="none" w="med" len="med"/>
+                    </a:lnL>
+                    <a:lnR w="12700" cap="flat" cmpd="sng" algn="ctr">
+                      <a:solidFill>
+                        <a:schemeClr val="tx1"/>
+                      </a:solidFill>
+                      <a:prstDash val="solid"/>
+                      <a:round/>
+                      <a:headEnd type="none" w="med" len="med"/>
+                      <a:tailEnd type="none" w="med" len="med"/>
+                    </a:lnR>
+                    <a:lnT w="12700" cap="flat" cmpd="sng" algn="ctr">
+                      <a:solidFill>
+                        <a:schemeClr val="tx1"/>
+                      </a:solidFill>
+                      <a:prstDash val="solid"/>
+                      <a:round/>
+                      <a:headEnd type="none" w="med" len="med"/>
+                      <a:tailEnd type="none" w="med" len="med"/>
+                    </a:lnT>
+                    <a:lnB w="12700" cap="flat" cmpd="sng" algn="ctr">
+                      <a:solidFill>
+                        <a:schemeClr val="tx1"/>
+                      </a:solidFill>
+                      <a:prstDash val="solid"/>
+                      <a:round/>
+                      <a:headEnd type="none" w="med" len="med"/>
+                      <a:tailEnd type="none" w="med" len="med"/>
+                    </a:lnB>
+                    <a:lnTlToBr w="12700" cmpd="sng">
+                      <a:noFill/>
+                      <a:prstDash val="solid"/>
+                    </a:lnTlToBr>
+                    <a:lnBlToTr w="12700" cmpd="sng">
+                      <a:noFill/>
+                      <a:prstDash val="solid"/>
+                    </a:lnBlToTr>
+                  </a:tcPr>
+                </a:tc>
+                <a:tc>
+                  <a:txBody>
+                    <a:bodyPr/>
+                    <a:lstStyle/>
+                    <a:p>
+                      <a:r>
+                        <a:rPr lang="en-US" sz="2000" dirty="0">
+                          <a:latin typeface="Times New Roman" panose="02020603050405020304" pitchFamily="18" charset="0"/>
+                          <a:cs typeface="Times New Roman" panose="02020603050405020304" pitchFamily="18" charset="0"/>
+                        </a:rPr>
+                        <a:t>Region created according to device coordinates</a:t>
+                      </a:r>
+                    </a:p>
+                  </a:txBody>
+                  <a:tcPr>
+                    <a:lnL w="12700" cap="flat" cmpd="sng" algn="ctr">
+                      <a:solidFill>
+                        <a:schemeClr val="tx1"/>
+                      </a:solidFill>
+                      <a:prstDash val="solid"/>
+                      <a:round/>
+                      <a:headEnd type="none" w="med" len="med"/>
+                      <a:tailEnd type="none" w="med" len="med"/>
+                    </a:lnL>
+                    <a:lnR w="12700" cap="flat" cmpd="sng" algn="ctr">
+                      <a:solidFill>
+                        <a:schemeClr val="tx1"/>
+                      </a:solidFill>
+                      <a:prstDash val="solid"/>
+                      <a:round/>
+                      <a:headEnd type="none" w="med" len="med"/>
+                      <a:tailEnd type="none" w="med" len="med"/>
+                    </a:lnR>
+                    <a:lnT w="12700" cap="flat" cmpd="sng" algn="ctr">
+                      <a:solidFill>
+                        <a:schemeClr val="tx1"/>
+                      </a:solidFill>
+                      <a:prstDash val="solid"/>
+                      <a:round/>
+                      <a:headEnd type="none" w="med" len="med"/>
+                      <a:tailEnd type="none" w="med" len="med"/>
+                    </a:lnT>
+                    <a:lnB w="12700" cap="flat" cmpd="sng" algn="ctr">
+                      <a:solidFill>
+                        <a:schemeClr val="tx1"/>
+                      </a:solidFill>
+                      <a:prstDash val="solid"/>
+                      <a:round/>
+                      <a:headEnd type="none" w="med" len="med"/>
+                      <a:tailEnd type="none" w="med" len="med"/>
+                    </a:lnB>
+                    <a:lnTlToBr w="12700" cmpd="sng">
+                      <a:noFill/>
+                      <a:prstDash val="solid"/>
+                    </a:lnTlToBr>
+                    <a:lnBlToTr w="12700" cmpd="sng">
+                      <a:noFill/>
+                      <a:prstDash val="solid"/>
+                    </a:lnBlToTr>
+                  </a:tcPr>
+                </a:tc>
+                <a:extLst>
+                  <a:ext uri="{0D108BD9-81ED-4DB2-BD59-A6C34878D82A}">
+                    <a16:rowId xmlns:a16="http://schemas.microsoft.com/office/drawing/2014/main" val="3953438369"/>
+                  </a:ext>
+                </a:extLst>
+              </a:tr>
+              <a:tr h="479616">
+                <a:tc>
+                  <a:txBody>
+                    <a:bodyPr/>
+                    <a:lstStyle/>
+                    <a:p>
+                      <a:r>
+                        <a:rPr lang="en-US" sz="2000" dirty="0">
+                          <a:latin typeface="Times New Roman" panose="02020603050405020304" pitchFamily="18" charset="0"/>
+                          <a:cs typeface="Times New Roman" panose="02020603050405020304" pitchFamily="18" charset="0"/>
+                        </a:rPr>
+                        <a:t>It is a region selected from the real world. It is a graphically control thing and composed of visual areas along with some of its program controlled with help of window decoration.</a:t>
+                      </a:r>
+                    </a:p>
+                  </a:txBody>
+                  <a:tcPr>
+                    <a:lnL w="12700" cap="flat" cmpd="sng" algn="ctr">
+                      <a:solidFill>
+                        <a:schemeClr val="tx1"/>
+                      </a:solidFill>
+                      <a:prstDash val="solid"/>
+                      <a:round/>
+                      <a:headEnd type="none" w="med" len="med"/>
+                      <a:tailEnd type="none" w="med" len="med"/>
+                    </a:lnL>
+                    <a:lnR w="12700" cap="flat" cmpd="sng" algn="ctr">
+                      <a:solidFill>
+                        <a:schemeClr val="tx1"/>
+                      </a:solidFill>
+                      <a:prstDash val="solid"/>
+                      <a:round/>
+                      <a:headEnd type="none" w="med" len="med"/>
+                      <a:tailEnd type="none" w="med" len="med"/>
+                    </a:lnR>
+                    <a:lnT w="12700" cap="flat" cmpd="sng" algn="ctr">
+                      <a:solidFill>
+                        <a:schemeClr val="tx1"/>
+                      </a:solidFill>
+                      <a:prstDash val="solid"/>
+                      <a:round/>
+                      <a:headEnd type="none" w="med" len="med"/>
+                      <a:tailEnd type="none" w="med" len="med"/>
+                    </a:lnT>
+                    <a:lnB w="12700" cap="flat" cmpd="sng" algn="ctr">
+                      <a:solidFill>
+                        <a:schemeClr val="tx1"/>
+                      </a:solidFill>
+                      <a:prstDash val="solid"/>
+                      <a:round/>
+                      <a:headEnd type="none" w="med" len="med"/>
+                      <a:tailEnd type="none" w="med" len="med"/>
+                    </a:lnB>
+                    <a:lnTlToBr w="12700" cmpd="sng">
+                      <a:noFill/>
+                      <a:prstDash val="solid"/>
+                    </a:lnTlToBr>
+                    <a:lnBlToTr w="12700" cmpd="sng">
+                      <a:noFill/>
+                      <a:prstDash val="solid"/>
+                    </a:lnBlToTr>
+                  </a:tcPr>
+                </a:tc>
+                <a:tc>
+                  <a:txBody>
+                    <a:bodyPr/>
+                    <a:lstStyle/>
+                    <a:p>
+                      <a:r>
+                        <a:rPr lang="en-US" sz="2000" dirty="0">
+                          <a:latin typeface="Times New Roman" panose="02020603050405020304" pitchFamily="18" charset="0"/>
+                          <a:cs typeface="Times New Roman" panose="02020603050405020304" pitchFamily="18" charset="0"/>
+                        </a:rPr>
+                        <a:t>It is the region in computer graphics which is a polygon viewing region.</a:t>
+                      </a:r>
+                    </a:p>
+                  </a:txBody>
+                  <a:tcPr>
+                    <a:lnL w="12700" cap="flat" cmpd="sng" algn="ctr">
+                      <a:solidFill>
+                        <a:schemeClr val="tx1"/>
+                      </a:solidFill>
+                      <a:prstDash val="solid"/>
+                      <a:round/>
+                      <a:headEnd type="none" w="med" len="med"/>
+                      <a:tailEnd type="none" w="med" len="med"/>
+                    </a:lnL>
+                    <a:lnR w="12700" cap="flat" cmpd="sng" algn="ctr">
+                      <a:solidFill>
+                        <a:schemeClr val="tx1"/>
+                      </a:solidFill>
+                      <a:prstDash val="solid"/>
+                      <a:round/>
+                      <a:headEnd type="none" w="med" len="med"/>
+                      <a:tailEnd type="none" w="med" len="med"/>
+                    </a:lnR>
+                    <a:lnT w="12700" cap="flat" cmpd="sng" algn="ctr">
+                      <a:solidFill>
+                        <a:schemeClr val="tx1"/>
+                      </a:solidFill>
+                      <a:prstDash val="solid"/>
+                      <a:round/>
+                      <a:headEnd type="none" w="med" len="med"/>
+                      <a:tailEnd type="none" w="med" len="med"/>
+                    </a:lnT>
+                    <a:lnB w="12700" cap="flat" cmpd="sng" algn="ctr">
+                      <a:solidFill>
+                        <a:schemeClr val="tx1"/>
+                      </a:solidFill>
+                      <a:prstDash val="solid"/>
+                      <a:round/>
+                      <a:headEnd type="none" w="med" len="med"/>
+                      <a:tailEnd type="none" w="med" len="med"/>
+                    </a:lnB>
+                    <a:lnTlToBr w="12700" cmpd="sng">
+                      <a:noFill/>
+                      <a:prstDash val="solid"/>
+                    </a:lnTlToBr>
+                    <a:lnBlToTr w="12700" cmpd="sng">
+                      <a:noFill/>
+                      <a:prstDash val="solid"/>
+                    </a:lnBlToTr>
+                  </a:tcPr>
+                </a:tc>
+                <a:extLst>
+                  <a:ext uri="{0D108BD9-81ED-4DB2-BD59-A6C34878D82A}">
+                    <a16:rowId xmlns:a16="http://schemas.microsoft.com/office/drawing/2014/main" val="1495948769"/>
+                  </a:ext>
+                </a:extLst>
+              </a:tr>
+              <a:tr h="446319">
+                <a:tc>
+                  <a:txBody>
+                    <a:bodyPr/>
+                    <a:lstStyle/>
+                    <a:p>
+                      <a:r>
+                        <a:rPr lang="en-US" sz="2000" dirty="0">
+                          <a:latin typeface="Times New Roman" panose="02020603050405020304" pitchFamily="18" charset="0"/>
+                          <a:cs typeface="Times New Roman" panose="02020603050405020304" pitchFamily="18" charset="0"/>
+                        </a:rPr>
+                        <a:t>A window port can be defined with the help of a GWINDOW statement.</a:t>
+                      </a:r>
+                    </a:p>
+                  </a:txBody>
+                  <a:tcPr>
+                    <a:lnL w="12700" cap="flat" cmpd="sng" algn="ctr">
+                      <a:solidFill>
+                        <a:schemeClr val="tx1"/>
+                      </a:solidFill>
+                      <a:prstDash val="solid"/>
+                      <a:round/>
+                      <a:headEnd type="none" w="med" len="med"/>
+                      <a:tailEnd type="none" w="med" len="med"/>
+                    </a:lnL>
+                    <a:lnR w="12700" cap="flat" cmpd="sng" algn="ctr">
+                      <a:solidFill>
+                        <a:schemeClr val="tx1"/>
+                      </a:solidFill>
+                      <a:prstDash val="solid"/>
+                      <a:round/>
+                      <a:headEnd type="none" w="med" len="med"/>
+                      <a:tailEnd type="none" w="med" len="med"/>
+                    </a:lnR>
+                    <a:lnT w="12700" cap="flat" cmpd="sng" algn="ctr">
+                      <a:solidFill>
+                        <a:schemeClr val="tx1"/>
+                      </a:solidFill>
+                      <a:prstDash val="solid"/>
+                      <a:round/>
+                      <a:headEnd type="none" w="med" len="med"/>
+                      <a:tailEnd type="none" w="med" len="med"/>
+                    </a:lnT>
+                    <a:lnB w="12700" cap="flat" cmpd="sng" algn="ctr">
+                      <a:solidFill>
+                        <a:schemeClr val="tx1"/>
+                      </a:solidFill>
+                      <a:prstDash val="solid"/>
+                      <a:round/>
+                      <a:headEnd type="none" w="med" len="med"/>
+                      <a:tailEnd type="none" w="med" len="med"/>
+                    </a:lnB>
+                    <a:lnTlToBr w="12700" cmpd="sng">
+                      <a:noFill/>
+                      <a:prstDash val="solid"/>
+                    </a:lnTlToBr>
+                    <a:lnBlToTr w="12700" cmpd="sng">
+                      <a:noFill/>
+                      <a:prstDash val="solid"/>
+                    </a:lnBlToTr>
+                  </a:tcPr>
+                </a:tc>
+                <a:tc>
+                  <a:txBody>
+                    <a:bodyPr/>
+                    <a:lstStyle/>
+                    <a:p>
+                      <a:pPr marL="0" marR="0" lvl="0" indent="0" algn="l" defTabSz="914400" rtl="0" eaLnBrk="1" fontAlgn="auto" latinLnBrk="0" hangingPunct="1">
+                        <a:lnSpc>
+                          <a:spcPct val="100000"/>
+                        </a:lnSpc>
+                        <a:spcBef>
+                          <a:spcPts val="0"/>
+                        </a:spcBef>
+                        <a:spcAft>
+                          <a:spcPts val="0"/>
+                        </a:spcAft>
+                        <a:buClrTx/>
+                        <a:buSzTx/>
+                        <a:buFontTx/>
+                        <a:buNone/>
+                        <a:tabLst/>
+                        <a:defRPr/>
+                      </a:pPr>
+                      <a:r>
+                        <a:rPr lang="en-US" sz="2000" dirty="0">
+                          <a:latin typeface="Times New Roman" panose="02020603050405020304" pitchFamily="18" charset="0"/>
+                          <a:cs typeface="Times New Roman" panose="02020603050405020304" pitchFamily="18" charset="0"/>
+                        </a:rPr>
+                        <a:t>A view port can be defined with the help of a GPORT command.</a:t>
+                      </a:r>
+                    </a:p>
+                    <a:p>
+                      <a:endParaRPr lang="en-US" sz="2000" dirty="0">
+                        <a:latin typeface="Times New Roman" panose="02020603050405020304" pitchFamily="18" charset="0"/>
+                        <a:cs typeface="Times New Roman" panose="02020603050405020304" pitchFamily="18" charset="0"/>
+                      </a:endParaRPr>
+                    </a:p>
+                  </a:txBody>
+                  <a:tcPr>
+                    <a:lnL w="12700" cap="flat" cmpd="sng" algn="ctr">
+                      <a:solidFill>
+                        <a:schemeClr val="tx1"/>
+                      </a:solidFill>
+                      <a:prstDash val="solid"/>
+                      <a:round/>
+                      <a:headEnd type="none" w="med" len="med"/>
+                      <a:tailEnd type="none" w="med" len="med"/>
+                    </a:lnL>
+                    <a:lnR w="12700" cap="flat" cmpd="sng" algn="ctr">
+                      <a:solidFill>
+                        <a:schemeClr val="tx1"/>
+                      </a:solidFill>
+                      <a:prstDash val="solid"/>
+                      <a:round/>
+                      <a:headEnd type="none" w="med" len="med"/>
+                      <a:tailEnd type="none" w="med" len="med"/>
+                    </a:lnR>
+                    <a:lnT w="12700" cap="flat" cmpd="sng" algn="ctr">
+                      <a:solidFill>
+                        <a:schemeClr val="tx1"/>
+                      </a:solidFill>
+                      <a:prstDash val="solid"/>
+                      <a:round/>
+                      <a:headEnd type="none" w="med" len="med"/>
+                      <a:tailEnd type="none" w="med" len="med"/>
+                    </a:lnT>
+                    <a:lnB w="12700" cap="flat" cmpd="sng" algn="ctr">
+                      <a:solidFill>
+                        <a:schemeClr val="tx1"/>
+                      </a:solidFill>
+                      <a:prstDash val="solid"/>
+                      <a:round/>
+                      <a:headEnd type="none" w="med" len="med"/>
+                      <a:tailEnd type="none" w="med" len="med"/>
+                    </a:lnB>
+                    <a:lnTlToBr w="12700" cmpd="sng">
+                      <a:noFill/>
+                      <a:prstDash val="solid"/>
+                    </a:lnTlToBr>
+                    <a:lnBlToTr w="12700" cmpd="sng">
+                      <a:noFill/>
+                      <a:prstDash val="solid"/>
+                    </a:lnBlToTr>
+                  </a:tcPr>
+                </a:tc>
+                <a:extLst>
+                  <a:ext uri="{0D108BD9-81ED-4DB2-BD59-A6C34878D82A}">
+                    <a16:rowId xmlns:a16="http://schemas.microsoft.com/office/drawing/2014/main" val="287674320"/>
+                  </a:ext>
+                </a:extLst>
+              </a:tr>
+              <a:tr h="446319">
+                <a:tc>
+                  <a:txBody>
+                    <a:bodyPr/>
+                    <a:lstStyle/>
+                    <a:p>
+                      <a:r>
+                        <a:rPr lang="en-US" sz="2000" dirty="0">
+                          <a:latin typeface="Times New Roman" panose="02020603050405020304" pitchFamily="18" charset="0"/>
+                          <a:cs typeface="Times New Roman" panose="02020603050405020304" pitchFamily="18" charset="0"/>
+                        </a:rPr>
+                        <a:t>You can define the window to be larger than, the same as or smaller than the actual range of data values, depending on whether you want to show all of the data or only part of the data.</a:t>
+                      </a:r>
+                    </a:p>
+                  </a:txBody>
+                  <a:tcPr>
+                    <a:lnL w="12700" cap="flat" cmpd="sng" algn="ctr">
+                      <a:solidFill>
+                        <a:schemeClr val="tx1"/>
+                      </a:solidFill>
+                      <a:prstDash val="solid"/>
+                      <a:round/>
+                      <a:headEnd type="none" w="med" len="med"/>
+                      <a:tailEnd type="none" w="med" len="med"/>
+                    </a:lnL>
+                    <a:lnR w="12700" cap="flat" cmpd="sng" algn="ctr">
+                      <a:solidFill>
+                        <a:schemeClr val="tx1"/>
+                      </a:solidFill>
+                      <a:prstDash val="solid"/>
+                      <a:round/>
+                      <a:headEnd type="none" w="med" len="med"/>
+                      <a:tailEnd type="none" w="med" len="med"/>
+                    </a:lnR>
+                    <a:lnT w="12700" cap="flat" cmpd="sng" algn="ctr">
+                      <a:solidFill>
+                        <a:schemeClr val="tx1"/>
+                      </a:solidFill>
+                      <a:prstDash val="solid"/>
+                      <a:round/>
+                      <a:headEnd type="none" w="med" len="med"/>
+                      <a:tailEnd type="none" w="med" len="med"/>
+                    </a:lnT>
+                    <a:lnB w="12700" cap="flat" cmpd="sng" algn="ctr">
+                      <a:solidFill>
+                        <a:schemeClr val="tx1"/>
+                      </a:solidFill>
+                      <a:prstDash val="solid"/>
+                      <a:round/>
+                      <a:headEnd type="none" w="med" len="med"/>
+                      <a:tailEnd type="none" w="med" len="med"/>
+                    </a:lnB>
+                    <a:lnTlToBr w="12700" cmpd="sng">
+                      <a:noFill/>
+                      <a:prstDash val="solid"/>
+                    </a:lnTlToBr>
+                    <a:lnBlToTr w="12700" cmpd="sng">
+                      <a:noFill/>
+                      <a:prstDash val="solid"/>
+                    </a:lnBlToTr>
+                  </a:tcPr>
+                </a:tc>
+                <a:tc>
+                  <a:txBody>
+                    <a:bodyPr/>
+                    <a:lstStyle/>
+                    <a:p>
+                      <a:r>
+                        <a:rPr lang="en-US" sz="2000" dirty="0">
+                          <a:latin typeface="Times New Roman" panose="02020603050405020304" pitchFamily="18" charset="0"/>
+                          <a:cs typeface="Times New Roman" panose="02020603050405020304" pitchFamily="18" charset="0"/>
+                        </a:rPr>
+                        <a:t>The rectangular portion of the interface window that defines where the image will defines where the image will actually appear.</a:t>
+                      </a:r>
+                    </a:p>
+                  </a:txBody>
+                  <a:tcPr>
+                    <a:lnL w="12700" cap="flat" cmpd="sng" algn="ctr">
+                      <a:solidFill>
+                        <a:schemeClr val="tx1"/>
+                      </a:solidFill>
+                      <a:prstDash val="solid"/>
+                      <a:round/>
+                      <a:headEnd type="none" w="med" len="med"/>
+                      <a:tailEnd type="none" w="med" len="med"/>
+                    </a:lnL>
+                    <a:lnR w="12700" cap="flat" cmpd="sng" algn="ctr">
+                      <a:solidFill>
+                        <a:schemeClr val="tx1"/>
+                      </a:solidFill>
+                      <a:prstDash val="solid"/>
+                      <a:round/>
+                      <a:headEnd type="none" w="med" len="med"/>
+                      <a:tailEnd type="none" w="med" len="med"/>
+                    </a:lnR>
+                    <a:lnT w="12700" cap="flat" cmpd="sng" algn="ctr">
+                      <a:solidFill>
+                        <a:schemeClr val="tx1"/>
+                      </a:solidFill>
+                      <a:prstDash val="solid"/>
+                      <a:round/>
+                      <a:headEnd type="none" w="med" len="med"/>
+                      <a:tailEnd type="none" w="med" len="med"/>
+                    </a:lnT>
+                    <a:lnB w="12700" cap="flat" cmpd="sng" algn="ctr">
+                      <a:solidFill>
+                        <a:schemeClr val="tx1"/>
+                      </a:solidFill>
+                      <a:prstDash val="solid"/>
+                      <a:round/>
+                      <a:headEnd type="none" w="med" len="med"/>
+                      <a:tailEnd type="none" w="med" len="med"/>
+                    </a:lnB>
+                    <a:lnTlToBr w="12700" cmpd="sng">
+                      <a:noFill/>
+                      <a:prstDash val="solid"/>
+                    </a:lnTlToBr>
+                    <a:lnBlToTr w="12700" cmpd="sng">
+                      <a:noFill/>
+                      <a:prstDash val="solid"/>
+                    </a:lnBlToTr>
+                  </a:tcPr>
+                </a:tc>
+                <a:extLst>
+                  <a:ext uri="{0D108BD9-81ED-4DB2-BD59-A6C34878D82A}">
+                    <a16:rowId xmlns:a16="http://schemas.microsoft.com/office/drawing/2014/main" val="1328175990"/>
+                  </a:ext>
+                </a:extLst>
+              </a:tr>
+              <a:tr h="446319">
+                <a:tc>
+                  <a:txBody>
+                    <a:bodyPr/>
+                    <a:lstStyle/>
+                    <a:p>
+                      <a:r>
+                        <a:rPr lang="en-US" sz="2000" dirty="0">
+                          <a:latin typeface="Times New Roman" panose="02020603050405020304" pitchFamily="18" charset="0"/>
+                          <a:cs typeface="Times New Roman" panose="02020603050405020304" pitchFamily="18" charset="0"/>
+                        </a:rPr>
+                        <a:t>Window defines what is to be viewed.</a:t>
+                      </a:r>
+                    </a:p>
+                  </a:txBody>
+                  <a:tcPr>
+                    <a:lnL w="12700" cap="flat" cmpd="sng" algn="ctr">
+                      <a:solidFill>
+                        <a:schemeClr val="tx1"/>
+                      </a:solidFill>
+                      <a:prstDash val="solid"/>
+                      <a:round/>
+                      <a:headEnd type="none" w="med" len="med"/>
+                      <a:tailEnd type="none" w="med" len="med"/>
+                    </a:lnL>
+                    <a:lnR w="12700" cap="flat" cmpd="sng" algn="ctr">
+                      <a:solidFill>
+                        <a:schemeClr val="tx1"/>
+                      </a:solidFill>
+                      <a:prstDash val="solid"/>
+                      <a:round/>
+                      <a:headEnd type="none" w="med" len="med"/>
+                      <a:tailEnd type="none" w="med" len="med"/>
+                    </a:lnR>
+                    <a:lnT w="12700" cap="flat" cmpd="sng" algn="ctr">
+                      <a:solidFill>
+                        <a:schemeClr val="tx1"/>
+                      </a:solidFill>
+                      <a:prstDash val="solid"/>
+                      <a:round/>
+                      <a:headEnd type="none" w="med" len="med"/>
+                      <a:tailEnd type="none" w="med" len="med"/>
+                    </a:lnT>
+                    <a:lnB w="12700" cap="flat" cmpd="sng" algn="ctr">
+                      <a:solidFill>
+                        <a:schemeClr val="tx1"/>
+                      </a:solidFill>
+                      <a:prstDash val="solid"/>
+                      <a:round/>
+                      <a:headEnd type="none" w="med" len="med"/>
+                      <a:tailEnd type="none" w="med" len="med"/>
+                    </a:lnB>
+                    <a:lnTlToBr w="12700" cmpd="sng">
+                      <a:noFill/>
+                      <a:prstDash val="solid"/>
+                    </a:lnTlToBr>
+                    <a:lnBlToTr w="12700" cmpd="sng">
+                      <a:noFill/>
+                      <a:prstDash val="solid"/>
+                    </a:lnBlToTr>
+                  </a:tcPr>
+                </a:tc>
+                <a:tc>
+                  <a:txBody>
+                    <a:bodyPr/>
+                    <a:lstStyle/>
+                    <a:p>
+                      <a:r>
+                        <a:rPr lang="en-US" sz="2000" dirty="0">
+                          <a:latin typeface="Times New Roman" panose="02020603050405020304" pitchFamily="18" charset="0"/>
+                          <a:cs typeface="Times New Roman" panose="02020603050405020304" pitchFamily="18" charset="0"/>
+                        </a:rPr>
+                        <a:t>Viewport defines where the window to be displayed.</a:t>
+                      </a:r>
+                    </a:p>
+                  </a:txBody>
+                  <a:tcPr>
+                    <a:lnL w="12700" cap="flat" cmpd="sng" algn="ctr">
+                      <a:solidFill>
+                        <a:schemeClr val="tx1"/>
+                      </a:solidFill>
+                      <a:prstDash val="solid"/>
+                      <a:round/>
+                      <a:headEnd type="none" w="med" len="med"/>
+                      <a:tailEnd type="none" w="med" len="med"/>
+                    </a:lnL>
+                    <a:lnR w="12700" cap="flat" cmpd="sng" algn="ctr">
+                      <a:solidFill>
+                        <a:schemeClr val="tx1"/>
+                      </a:solidFill>
+                      <a:prstDash val="solid"/>
+                      <a:round/>
+                      <a:headEnd type="none" w="med" len="med"/>
+                      <a:tailEnd type="none" w="med" len="med"/>
+                    </a:lnR>
+                    <a:lnT w="12700" cap="flat" cmpd="sng" algn="ctr">
+                      <a:solidFill>
+                        <a:schemeClr val="tx1"/>
+                      </a:solidFill>
+                      <a:prstDash val="solid"/>
+                      <a:round/>
+                      <a:headEnd type="none" w="med" len="med"/>
+                      <a:tailEnd type="none" w="med" len="med"/>
+                    </a:lnT>
+                    <a:lnB w="12700" cap="flat" cmpd="sng" algn="ctr">
+                      <a:solidFill>
+                        <a:schemeClr val="tx1"/>
+                      </a:solidFill>
+                      <a:prstDash val="solid"/>
+                      <a:round/>
+                      <a:headEnd type="none" w="med" len="med"/>
+                      <a:tailEnd type="none" w="med" len="med"/>
+                    </a:lnB>
+                    <a:lnTlToBr w="12700" cmpd="sng">
+                      <a:noFill/>
+                      <a:prstDash val="solid"/>
+                    </a:lnTlToBr>
+                    <a:lnBlToTr w="12700" cmpd="sng">
+                      <a:noFill/>
+                      <a:prstDash val="solid"/>
+                    </a:lnBlToTr>
+                  </a:tcPr>
+                </a:tc>
+                <a:extLst>
+                  <a:ext uri="{0D108BD9-81ED-4DB2-BD59-A6C34878D82A}">
+                    <a16:rowId xmlns:a16="http://schemas.microsoft.com/office/drawing/2014/main" val="2975139188"/>
+                  </a:ext>
+                </a:extLst>
+              </a:tr>
+            </a:tbl>
+          </a:graphicData>
+        </a:graphic>
+      </p:graphicFrame>
+      <p:sp>
+        <p:nvSpPr>
+          <p:cNvPr id="3" name="AutoShape 2" descr="Window to viewport transformation&amp;amp;matrix representation of homogeneous  coordinates | PPT">
+            <a:extLst>
+              <a:ext uri="{FF2B5EF4-FFF2-40B4-BE49-F238E27FC236}">
+                <a16:creationId xmlns:a16="http://schemas.microsoft.com/office/drawing/2014/main" id="{8FA13C03-6A31-E098-78CF-F25FC6BB4C7E}"/>
+              </a:ext>
+            </a:extLst>
+          </p:cNvPr>
+          <p:cNvSpPr>
+            <a:spLocks noChangeAspect="1" noChangeArrowheads="1"/>
+          </p:cNvSpPr>
           <p:nvPr/>
-        </p:nvPicPr>
-        <p:blipFill>
-          <a:blip r:embed="rId2"/>
-          <a:stretch>
-            <a:fillRect/>
-          </a:stretch>
-        </p:blipFill>
-        <p:spPr>
+        </p:nvSpPr>
+        <p:spPr bwMode="auto">
           <a:xfrm>
-            <a:off x="716436" y="443023"/>
-            <a:ext cx="9519868" cy="5334624"/>
+            <a:off x="5943600" y="3276600"/>
+            <a:ext cx="304800" cy="304800"/>
           </a:xfrm>
           <a:prstGeom prst="rect">
             <a:avLst/>
           </a:prstGeom>
+          <a:noFill/>
+          <a:extLst>
+            <a:ext uri="{909E8E84-426E-40DD-AFC4-6F175D3DCCD1}">
+              <a14:hiddenFill xmlns:a14="http://schemas.microsoft.com/office/drawing/2010/main">
+                <a:solidFill>
+                  <a:srgbClr val="FFFFFF"/>
+                </a:solidFill>
+              </a14:hiddenFill>
+            </a:ext>
+          </a:extLst>
         </p:spPr>
-      </p:pic>
+        <p:txBody>
+          <a:bodyPr vert="horz" wrap="square" lIns="91440" tIns="45720" rIns="91440" bIns="45720" numCol="1" anchor="t" anchorCtr="0" compatLnSpc="1">
+            <a:prstTxWarp prst="textNoShape">
+              <a:avLst/>
+            </a:prstTxWarp>
+          </a:bodyPr>
+          <a:lstStyle/>
+          <a:p>
+            <a:endParaRPr lang="en-US"/>
+          </a:p>
+        </p:txBody>
+      </p:sp>
     </p:spTree>
     <p:extLst>
       <p:ext uri="{BB962C8B-B14F-4D97-AF65-F5344CB8AC3E}">
